--- a/24-27-aug2021/23-08-2021.pptx
+++ b/24-27-aug2021/23-08-2021.pptx
@@ -265,7 +265,7 @@
           <a:p>
             <a:fld id="{35139A90-B3EA-4B56-9671-FA10B656C843}" type="datetimeFigureOut">
               <a:rPr lang="en-IN" smtClean="0"/>
-              <a:t>23-08-2021</a:t>
+              <a:t>03-02-2022</a:t>
             </a:fld>
             <a:endParaRPr lang="en-IN"/>
           </a:p>
@@ -465,7 +465,7 @@
           <a:p>
             <a:fld id="{35139A90-B3EA-4B56-9671-FA10B656C843}" type="datetimeFigureOut">
               <a:rPr lang="en-IN" smtClean="0"/>
-              <a:t>23-08-2021</a:t>
+              <a:t>03-02-2022</a:t>
             </a:fld>
             <a:endParaRPr lang="en-IN"/>
           </a:p>
@@ -675,7 +675,7 @@
           <a:p>
             <a:fld id="{35139A90-B3EA-4B56-9671-FA10B656C843}" type="datetimeFigureOut">
               <a:rPr lang="en-IN" smtClean="0"/>
-              <a:t>23-08-2021</a:t>
+              <a:t>03-02-2022</a:t>
             </a:fld>
             <a:endParaRPr lang="en-IN"/>
           </a:p>
@@ -875,7 +875,7 @@
           <a:p>
             <a:fld id="{35139A90-B3EA-4B56-9671-FA10B656C843}" type="datetimeFigureOut">
               <a:rPr lang="en-IN" smtClean="0"/>
-              <a:t>23-08-2021</a:t>
+              <a:t>03-02-2022</a:t>
             </a:fld>
             <a:endParaRPr lang="en-IN"/>
           </a:p>
@@ -1151,7 +1151,7 @@
           <a:p>
             <a:fld id="{35139A90-B3EA-4B56-9671-FA10B656C843}" type="datetimeFigureOut">
               <a:rPr lang="en-IN" smtClean="0"/>
-              <a:t>23-08-2021</a:t>
+              <a:t>03-02-2022</a:t>
             </a:fld>
             <a:endParaRPr lang="en-IN"/>
           </a:p>
@@ -1419,7 +1419,7 @@
           <a:p>
             <a:fld id="{35139A90-B3EA-4B56-9671-FA10B656C843}" type="datetimeFigureOut">
               <a:rPr lang="en-IN" smtClean="0"/>
-              <a:t>23-08-2021</a:t>
+              <a:t>03-02-2022</a:t>
             </a:fld>
             <a:endParaRPr lang="en-IN"/>
           </a:p>
@@ -1834,7 +1834,7 @@
           <a:p>
             <a:fld id="{35139A90-B3EA-4B56-9671-FA10B656C843}" type="datetimeFigureOut">
               <a:rPr lang="en-IN" smtClean="0"/>
-              <a:t>23-08-2021</a:t>
+              <a:t>03-02-2022</a:t>
             </a:fld>
             <a:endParaRPr lang="en-IN"/>
           </a:p>
@@ -1976,7 +1976,7 @@
           <a:p>
             <a:fld id="{35139A90-B3EA-4B56-9671-FA10B656C843}" type="datetimeFigureOut">
               <a:rPr lang="en-IN" smtClean="0"/>
-              <a:t>23-08-2021</a:t>
+              <a:t>03-02-2022</a:t>
             </a:fld>
             <a:endParaRPr lang="en-IN"/>
           </a:p>
@@ -2089,7 +2089,7 @@
           <a:p>
             <a:fld id="{35139A90-B3EA-4B56-9671-FA10B656C843}" type="datetimeFigureOut">
               <a:rPr lang="en-IN" smtClean="0"/>
-              <a:t>23-08-2021</a:t>
+              <a:t>03-02-2022</a:t>
             </a:fld>
             <a:endParaRPr lang="en-IN"/>
           </a:p>
@@ -2402,7 +2402,7 @@
           <a:p>
             <a:fld id="{35139A90-B3EA-4B56-9671-FA10B656C843}" type="datetimeFigureOut">
               <a:rPr lang="en-IN" smtClean="0"/>
-              <a:t>23-08-2021</a:t>
+              <a:t>03-02-2022</a:t>
             </a:fld>
             <a:endParaRPr lang="en-IN"/>
           </a:p>
@@ -2691,7 +2691,7 @@
           <a:p>
             <a:fld id="{35139A90-B3EA-4B56-9671-FA10B656C843}" type="datetimeFigureOut">
               <a:rPr lang="en-IN" smtClean="0"/>
-              <a:t>23-08-2021</a:t>
+              <a:t>03-02-2022</a:t>
             </a:fld>
             <a:endParaRPr lang="en-IN"/>
           </a:p>
@@ -2934,7 +2934,7 @@
           <a:p>
             <a:fld id="{35139A90-B3EA-4B56-9671-FA10B656C843}" type="datetimeFigureOut">
               <a:rPr lang="en-IN" smtClean="0"/>
-              <a:t>23-08-2021</a:t>
+              <a:t>03-02-2022</a:t>
             </a:fld>
             <a:endParaRPr lang="en-IN"/>
           </a:p>
@@ -4912,8 +4912,12 @@
               <a:buChar char="•"/>
             </a:pPr>
             <a:r>
+              <a:rPr lang="en-US" sz="1300"/>
+              <a:t>Load Testing </a:t>
+            </a:r>
+            <a:r>
               <a:rPr lang="en-US" sz="1300" dirty="0"/>
-              <a:t>Testing --&gt; quality of their software testing</a:t>
+              <a:t>--&gt; quality of their software testing</a:t>
             </a:r>
           </a:p>
         </p:txBody>
@@ -6196,6 +6200,12 @@
 </file>
 
 <file path=customXml/item2.xml><?xml version="1.0" encoding="utf-8"?>
+<p:properties xmlns:p="http://schemas.microsoft.com/office/2006/metadata/properties" xmlns:xsi="http://www.w3.org/2001/XMLSchema-instance" xmlns:pc="http://schemas.microsoft.com/office/infopath/2007/PartnerControls">
+  <documentManagement/>
+</p:properties>
+</file>
+
+<file path=customXml/item3.xml><?xml version="1.0" encoding="utf-8"?>
 <ct:contentTypeSchema xmlns:ct="http://schemas.microsoft.com/office/2006/metadata/contentType" xmlns:ma="http://schemas.microsoft.com/office/2006/metadata/properties/metaAttributes" ct:_="" ma:_="" ma:contentTypeName="Document" ma:contentTypeID="0x010100EC4AC9618C104343ADAE8C84D0D9572A" ma:contentTypeVersion="10" ma:contentTypeDescription="Create a new document." ma:contentTypeScope="" ma:versionID="b4b595f356fdf4e1aed2b08e380797be">
   <xsd:schema xmlns:xsd="http://www.w3.org/2001/XMLSchema" xmlns:xs="http://www.w3.org/2001/XMLSchema" xmlns:p="http://schemas.microsoft.com/office/2006/metadata/properties" xmlns:ns3="1be922bb-d13a-4b27-885a-8fe45218aa33" xmlns:ns4="8c65bd94-c9c9-4fa3-94d3-b0050c658f08" targetNamespace="http://schemas.microsoft.com/office/2006/metadata/properties" ma:root="true" ma:fieldsID="231a2136ae178caf5b368129c676a4df" ns3:_="" ns4:_="">
     <xsd:import namespace="1be922bb-d13a-4b27-885a-8fe45218aa33"/>
@@ -6398,12 +6408,6 @@
 </ct:contentTypeSchema>
 </file>
 
-<file path=customXml/item3.xml><?xml version="1.0" encoding="utf-8"?>
-<p:properties xmlns:p="http://schemas.microsoft.com/office/2006/metadata/properties" xmlns:xsi="http://www.w3.org/2001/XMLSchema-instance" xmlns:pc="http://schemas.microsoft.com/office/infopath/2007/PartnerControls">
-  <documentManagement/>
-</p:properties>
-</file>
-
 <file path=customXml/itemProps1.xml><?xml version="1.0" encoding="utf-8"?>
 <ds:datastoreItem xmlns:ds="http://schemas.openxmlformats.org/officeDocument/2006/customXml" ds:itemID="{4D4A239C-6C64-4D6E-A487-52DA58FDE92E}">
   <ds:schemaRefs>
@@ -6413,6 +6417,23 @@
 </file>
 
 <file path=customXml/itemProps2.xml><?xml version="1.0" encoding="utf-8"?>
+<ds:datastoreItem xmlns:ds="http://schemas.openxmlformats.org/officeDocument/2006/customXml" ds:itemID="{9A77E927-B9B4-4654-96E0-3D7B737283A2}">
+  <ds:schemaRefs>
+    <ds:schemaRef ds:uri="http://purl.org/dc/terms/"/>
+    <ds:schemaRef ds:uri="http://schemas.openxmlformats.org/package/2006/metadata/core-properties"/>
+    <ds:schemaRef ds:uri="http://purl.org/dc/dcmitype/"/>
+    <ds:schemaRef ds:uri="http://schemas.microsoft.com/office/infopath/2007/PartnerControls"/>
+    <ds:schemaRef ds:uri="http://purl.org/dc/elements/1.1/"/>
+    <ds:schemaRef ds:uri="http://schemas.microsoft.com/office/2006/metadata/properties"/>
+    <ds:schemaRef ds:uri="http://schemas.microsoft.com/office/2006/documentManagement/types"/>
+    <ds:schemaRef ds:uri="8c65bd94-c9c9-4fa3-94d3-b0050c658f08"/>
+    <ds:schemaRef ds:uri="1be922bb-d13a-4b27-885a-8fe45218aa33"/>
+    <ds:schemaRef ds:uri="http://www.w3.org/XML/1998/namespace"/>
+  </ds:schemaRefs>
+</ds:datastoreItem>
+</file>
+
+<file path=customXml/itemProps3.xml><?xml version="1.0" encoding="utf-8"?>
 <ds:datastoreItem xmlns:ds="http://schemas.openxmlformats.org/officeDocument/2006/customXml" ds:itemID="{C1EEF8B7-9EBC-4EC1-8A4E-9FAD2D568311}">
   <ds:schemaRefs>
     <ds:schemaRef ds:uri="http://schemas.microsoft.com/office/2006/metadata/contentType"/>
@@ -6429,21 +6450,4 @@
     <ds:schemaRef ds:uri="http://schemas.microsoft.com/internal/obd"/>
   </ds:schemaRefs>
 </ds:datastoreItem>
-</file>
-
-<file path=customXml/itemProps3.xml><?xml version="1.0" encoding="utf-8"?>
-<ds:datastoreItem xmlns:ds="http://schemas.openxmlformats.org/officeDocument/2006/customXml" ds:itemID="{9A77E927-B9B4-4654-96E0-3D7B737283A2}">
-  <ds:schemaRefs>
-    <ds:schemaRef ds:uri="http://purl.org/dc/terms/"/>
-    <ds:schemaRef ds:uri="http://schemas.openxmlformats.org/package/2006/metadata/core-properties"/>
-    <ds:schemaRef ds:uri="http://purl.org/dc/dcmitype/"/>
-    <ds:schemaRef ds:uri="http://schemas.microsoft.com/office/infopath/2007/PartnerControls"/>
-    <ds:schemaRef ds:uri="http://purl.org/dc/elements/1.1/"/>
-    <ds:schemaRef ds:uri="http://schemas.microsoft.com/office/2006/metadata/properties"/>
-    <ds:schemaRef ds:uri="http://schemas.microsoft.com/office/2006/documentManagement/types"/>
-    <ds:schemaRef ds:uri="8c65bd94-c9c9-4fa3-94d3-b0050c658f08"/>
-    <ds:schemaRef ds:uri="1be922bb-d13a-4b27-885a-8fe45218aa33"/>
-    <ds:schemaRef ds:uri="http://www.w3.org/XML/1998/namespace"/>
-  </ds:schemaRefs>
-</ds:datastoreItem>
 </file>